--- a/EDA.pptx
+++ b/EDA.pptx
@@ -5,7 +5,7 @@
     <p:sldMasterId id="2147483733" r:id="rId1"/>
   </p:sldMasterIdLst>
   <p:notesMasterIdLst>
-    <p:notesMasterId r:id="rId16"/>
+    <p:notesMasterId r:id="rId17"/>
   </p:notesMasterIdLst>
   <p:sldIdLst>
     <p:sldId id="256" r:id="rId2"/>
@@ -15,13 +15,14 @@
     <p:sldId id="260" r:id="rId6"/>
     <p:sldId id="266" r:id="rId7"/>
     <p:sldId id="262" r:id="rId8"/>
-    <p:sldId id="265" r:id="rId9"/>
-    <p:sldId id="263" r:id="rId10"/>
-    <p:sldId id="267" r:id="rId11"/>
-    <p:sldId id="268" r:id="rId12"/>
-    <p:sldId id="269" r:id="rId13"/>
-    <p:sldId id="270" r:id="rId14"/>
-    <p:sldId id="264" r:id="rId15"/>
+    <p:sldId id="271" r:id="rId9"/>
+    <p:sldId id="265" r:id="rId10"/>
+    <p:sldId id="263" r:id="rId11"/>
+    <p:sldId id="267" r:id="rId12"/>
+    <p:sldId id="268" r:id="rId13"/>
+    <p:sldId id="269" r:id="rId14"/>
+    <p:sldId id="270" r:id="rId15"/>
+    <p:sldId id="264" r:id="rId16"/>
   </p:sldIdLst>
   <p:sldSz cx="12192000" cy="6858000"/>
   <p:notesSz cx="6858000" cy="9144000"/>
@@ -210,7 +211,7 @@
           <a:p>
             <a:fld id="{62D3070E-83B3-4752-B454-D22C397CD44D}" type="datetimeFigureOut">
               <a:rPr lang="en-US" smtClean="0"/>
-              <a:t>27-Jun-19</a:t>
+              <a:t>28-Jun-19</a:t>
             </a:fld>
             <a:endParaRPr lang="en-US"/>
           </a:p>
@@ -724,7 +725,7 @@
           <a:p>
             <a:fld id="{A0030588-A73B-4EB7-BA49-8132BAD78C13}" type="datetime1">
               <a:rPr lang="en-US" smtClean="0"/>
-              <a:t>27-Jun-19</a:t>
+              <a:t>28-Jun-19</a:t>
             </a:fld>
             <a:endParaRPr lang="en-US"/>
           </a:p>
@@ -897,7 +898,7 @@
           <a:p>
             <a:fld id="{2B493B6F-C704-4826-8DF9-B2EEE0D6F657}" type="datetime1">
               <a:rPr lang="en-US" smtClean="0"/>
-              <a:t>27-Jun-19</a:t>
+              <a:t>28-Jun-19</a:t>
             </a:fld>
             <a:endParaRPr lang="en-US"/>
           </a:p>
@@ -1080,7 +1081,7 @@
           <a:p>
             <a:fld id="{28360C9A-6A68-4568-855F-995EAA679E5F}" type="datetime1">
               <a:rPr lang="en-US" smtClean="0"/>
-              <a:t>27-Jun-19</a:t>
+              <a:t>28-Jun-19</a:t>
             </a:fld>
             <a:endParaRPr lang="en-US"/>
           </a:p>
@@ -1253,7 +1254,7 @@
           <a:p>
             <a:fld id="{E793F559-2A75-4556-9406-25AF3E8A1834}" type="datetime1">
               <a:rPr lang="en-US" smtClean="0"/>
-              <a:t>27-Jun-19</a:t>
+              <a:t>28-Jun-19</a:t>
             </a:fld>
             <a:endParaRPr lang="en-US"/>
           </a:p>
@@ -1524,7 +1525,7 @@
           <a:p>
             <a:fld id="{07D66676-6494-4FE7-97AC-BA92C339F565}" type="datetime1">
               <a:rPr lang="en-US" smtClean="0"/>
-              <a:t>27-Jun-19</a:t>
+              <a:t>28-Jun-19</a:t>
             </a:fld>
             <a:endParaRPr lang="en-US"/>
           </a:p>
@@ -1759,7 +1760,7 @@
           <a:p>
             <a:fld id="{F59AA80B-6862-476B-97A8-4E2E41F06D74}" type="datetime1">
               <a:rPr lang="en-US" smtClean="0"/>
-              <a:t>27-Jun-19</a:t>
+              <a:t>28-Jun-19</a:t>
             </a:fld>
             <a:endParaRPr lang="en-US"/>
           </a:p>
@@ -2121,7 +2122,7 @@
           <a:p>
             <a:fld id="{5F426389-C56E-4CAB-961F-E5725735C731}" type="datetime1">
               <a:rPr lang="en-US" smtClean="0"/>
-              <a:t>27-Jun-19</a:t>
+              <a:t>28-Jun-19</a:t>
             </a:fld>
             <a:endParaRPr lang="en-US"/>
           </a:p>
@@ -2265,7 +2266,7 @@
           <a:p>
             <a:fld id="{0B8FD736-E7D1-497D-A145-3BCBF30BC388}" type="datetime1">
               <a:rPr lang="en-US" smtClean="0"/>
-              <a:t>27-Jun-19</a:t>
+              <a:t>28-Jun-19</a:t>
             </a:fld>
             <a:endParaRPr lang="en-US"/>
           </a:p>
@@ -2363,7 +2364,7 @@
           <a:p>
             <a:fld id="{E1299378-21FF-44F0-B25B-9476A7212DC3}" type="datetime1">
               <a:rPr lang="en-US" smtClean="0"/>
-              <a:t>27-Jun-19</a:t>
+              <a:t>28-Jun-19</a:t>
             </a:fld>
             <a:endParaRPr lang="en-US"/>
           </a:p>
@@ -2723,7 +2724,7 @@
           <a:p>
             <a:fld id="{16DA2D29-4796-4F64-8095-8508428D8A19}" type="datetime1">
               <a:rPr lang="en-US" smtClean="0"/>
-              <a:t>27-Jun-19</a:t>
+              <a:t>28-Jun-19</a:t>
             </a:fld>
             <a:endParaRPr lang="en-US"/>
           </a:p>
@@ -3083,7 +3084,7 @@
           <a:p>
             <a:fld id="{B01870E7-3F49-49D5-ACF2-37428188E267}" type="datetime1">
               <a:rPr lang="en-US" smtClean="0"/>
-              <a:t>27-Jun-19</a:t>
+              <a:t>28-Jun-19</a:t>
             </a:fld>
             <a:endParaRPr lang="en-US"/>
           </a:p>
@@ -3329,7 +3330,7 @@
           <a:p>
             <a:fld id="{651A8258-0C96-4247-9F8C-3039245C4E13}" type="datetime1">
               <a:rPr lang="en-US" smtClean="0"/>
-              <a:t>27-Jun-19</a:t>
+              <a:t>28-Jun-19</a:t>
             </a:fld>
             <a:endParaRPr lang="en-US"/>
           </a:p>
@@ -3979,6 +3980,186 @@
       </p:grpSpPr>
       <p:sp>
         <p:nvSpPr>
+          <p:cNvPr id="2" name="Title 1">
+            <a:extLst>
+              <a:ext uri="{FF2B5EF4-FFF2-40B4-BE49-F238E27FC236}">
+                <a16:creationId xmlns:a16="http://schemas.microsoft.com/office/drawing/2014/main" id="{B33D01D2-5A18-41E6-B66B-866BAFD68DFB}"/>
+              </a:ext>
+            </a:extLst>
+          </p:cNvPr>
+          <p:cNvSpPr>
+            <a:spLocks noGrp="1"/>
+          </p:cNvSpPr>
+          <p:nvPr>
+            <p:ph type="title"/>
+          </p:nvPr>
+        </p:nvSpPr>
+        <p:spPr>
+          <a:xfrm>
+            <a:off x="1045029" y="715347"/>
+            <a:ext cx="10282334" cy="1388302"/>
+          </a:xfrm>
+        </p:spPr>
+        <p:txBody>
+          <a:bodyPr>
+            <a:normAutofit/>
+          </a:bodyPr>
+          <a:lstStyle/>
+          <a:p>
+            <a:r>
+              <a:rPr lang="en-US" sz="4400" dirty="0"/>
+              <a:t>RESULTS</a:t>
+            </a:r>
+          </a:p>
+        </p:txBody>
+      </p:sp>
+      <p:sp>
+        <p:nvSpPr>
+          <p:cNvPr id="3" name="Content Placeholder 2">
+            <a:extLst>
+              <a:ext uri="{FF2B5EF4-FFF2-40B4-BE49-F238E27FC236}">
+                <a16:creationId xmlns:a16="http://schemas.microsoft.com/office/drawing/2014/main" id="{49D1F0E4-47ED-4A2C-8B62-CF83676298D6}"/>
+              </a:ext>
+            </a:extLst>
+          </p:cNvPr>
+          <p:cNvSpPr>
+            <a:spLocks noGrp="1"/>
+          </p:cNvSpPr>
+          <p:nvPr>
+            <p:ph idx="1"/>
+          </p:nvPr>
+        </p:nvSpPr>
+        <p:spPr>
+          <a:xfrm>
+            <a:off x="1045029" y="2416664"/>
+            <a:ext cx="10282334" cy="3492724"/>
+          </a:xfrm>
+        </p:spPr>
+        <p:txBody>
+          <a:bodyPr>
+            <a:normAutofit/>
+          </a:bodyPr>
+          <a:lstStyle/>
+          <a:p>
+            <a:pPr>
+              <a:spcBef>
+                <a:spcPts val="1800"/>
+              </a:spcBef>
+            </a:pPr>
+            <a:r>
+              <a:rPr lang="en-US" sz="3000" dirty="0"/>
+              <a:t>3 whole runs for each algorithm to show consistency.</a:t>
+            </a:r>
+          </a:p>
+          <a:p>
+            <a:pPr>
+              <a:spcBef>
+                <a:spcPts val="1800"/>
+              </a:spcBef>
+            </a:pPr>
+            <a:r>
+              <a:rPr lang="en-US" sz="3000" dirty="0"/>
+              <a:t>Max. 400 generations per run.</a:t>
+            </a:r>
+          </a:p>
+          <a:p>
+            <a:pPr>
+              <a:spcBef>
+                <a:spcPts val="1800"/>
+              </a:spcBef>
+            </a:pPr>
+            <a:r>
+              <a:rPr lang="en-US" sz="3000" dirty="0"/>
+              <a:t>Initial necessary parameters (no. of variables, length etc.) are the same for each function.</a:t>
+            </a:r>
+          </a:p>
+          <a:p>
+            <a:pPr>
+              <a:spcBef>
+                <a:spcPts val="1800"/>
+              </a:spcBef>
+            </a:pPr>
+            <a:r>
+              <a:rPr lang="en-US" sz="3000" dirty="0"/>
+              <a:t>The plots show </a:t>
+            </a:r>
+            <a:r>
+              <a:rPr lang="en-US" sz="3000"/>
+              <a:t>the attained </a:t>
+            </a:r>
+            <a:r>
+              <a:rPr lang="en-US" sz="3000" dirty="0"/>
+              <a:t>optimum AND the road to it.</a:t>
+            </a:r>
+          </a:p>
+        </p:txBody>
+      </p:sp>
+      <p:sp>
+        <p:nvSpPr>
+          <p:cNvPr id="4" name="Slide Number Placeholder 3">
+            <a:extLst>
+              <a:ext uri="{FF2B5EF4-FFF2-40B4-BE49-F238E27FC236}">
+                <a16:creationId xmlns:a16="http://schemas.microsoft.com/office/drawing/2014/main" id="{CB7AA25F-2E64-44E4-ABFA-16E7ACF1D51E}"/>
+              </a:ext>
+            </a:extLst>
+          </p:cNvPr>
+          <p:cNvSpPr>
+            <a:spLocks noGrp="1"/>
+          </p:cNvSpPr>
+          <p:nvPr>
+            <p:ph type="sldNum" sz="quarter" idx="12"/>
+          </p:nvPr>
+        </p:nvSpPr>
+        <p:spPr>
+          <a:xfrm>
+            <a:off x="10758922" y="6217920"/>
+            <a:ext cx="394270" cy="400594"/>
+          </a:xfrm>
+        </p:spPr>
+        <p:txBody>
+          <a:bodyPr/>
+          <a:lstStyle/>
+          <a:p>
+            <a:fld id="{83D657B4-1A6F-406C-B22D-DA5AAEBC1DF0}" type="slidenum">
+              <a:rPr lang="en-US" sz="1800" smtClean="0"/>
+              <a:t>10</a:t>
+            </a:fld>
+            <a:endParaRPr lang="en-US" sz="1800" dirty="0"/>
+          </a:p>
+        </p:txBody>
+      </p:sp>
+    </p:spTree>
+    <p:extLst>
+      <p:ext uri="{BB962C8B-B14F-4D97-AF65-F5344CB8AC3E}">
+        <p14:creationId xmlns:p14="http://schemas.microsoft.com/office/powerpoint/2010/main" val="3401818977"/>
+      </p:ext>
+    </p:extLst>
+  </p:cSld>
+  <p:clrMapOvr>
+    <a:masterClrMapping/>
+  </p:clrMapOvr>
+</p:sld>
+</file>
+
+<file path=ppt/slides/slide11.xml><?xml version="1.0" encoding="utf-8"?>
+<p:sld xmlns:a="http://schemas.openxmlformats.org/drawingml/2006/main" xmlns:r="http://schemas.openxmlformats.org/officeDocument/2006/relationships" xmlns:p="http://schemas.openxmlformats.org/presentationml/2006/main">
+  <p:cSld>
+    <p:spTree>
+      <p:nvGrpSpPr>
+        <p:cNvPr id="1" name=""/>
+        <p:cNvGrpSpPr/>
+        <p:nvPr/>
+      </p:nvGrpSpPr>
+      <p:grpSpPr>
+        <a:xfrm>
+          <a:off x="0" y="0"/>
+          <a:ext cx="0" cy="0"/>
+          <a:chOff x="0" y="0"/>
+          <a:chExt cx="0" cy="0"/>
+        </a:xfrm>
+      </p:grpSpPr>
+      <p:sp>
+        <p:nvSpPr>
           <p:cNvPr id="2" name="Slide Number Placeholder 1">
             <a:extLst>
               <a:ext uri="{FF2B5EF4-FFF2-40B4-BE49-F238E27FC236}">
@@ -4005,7 +4186,7 @@
           <a:p>
             <a:fld id="{83D657B4-1A6F-406C-B22D-DA5AAEBC1DF0}" type="slidenum">
               <a:rPr lang="en-US" sz="1800" smtClean="0"/>
-              <a:t>10</a:t>
+              <a:t>11</a:t>
             </a:fld>
             <a:endParaRPr lang="en-US" sz="1800"/>
           </a:p>
@@ -4095,7 +4276,7 @@
 </p:sld>
 </file>
 
-<file path=ppt/slides/slide11.xml><?xml version="1.0" encoding="utf-8"?>
+<file path=ppt/slides/slide12.xml><?xml version="1.0" encoding="utf-8"?>
 <p:sld xmlns:a="http://schemas.openxmlformats.org/drawingml/2006/main" xmlns:r="http://schemas.openxmlformats.org/officeDocument/2006/relationships" xmlns:p="http://schemas.openxmlformats.org/presentationml/2006/main">
   <p:cSld>
     <p:spTree>
@@ -4140,7 +4321,7 @@
           <a:p>
             <a:fld id="{83D657B4-1A6F-406C-B22D-DA5AAEBC1DF0}" type="slidenum">
               <a:rPr lang="en-US" sz="1800" smtClean="0"/>
-              <a:t>11</a:t>
+              <a:t>12</a:t>
             </a:fld>
             <a:endParaRPr lang="en-US" sz="1800"/>
           </a:p>
@@ -4230,7 +4411,7 @@
 </p:sld>
 </file>
 
-<file path=ppt/slides/slide12.xml><?xml version="1.0" encoding="utf-8"?>
+<file path=ppt/slides/slide13.xml><?xml version="1.0" encoding="utf-8"?>
 <p:sld xmlns:a="http://schemas.openxmlformats.org/drawingml/2006/main" xmlns:r="http://schemas.openxmlformats.org/officeDocument/2006/relationships" xmlns:p="http://schemas.openxmlformats.org/presentationml/2006/main">
   <p:cSld>
     <p:spTree>
@@ -4275,7 +4456,7 @@
           <a:p>
             <a:fld id="{83D657B4-1A6F-406C-B22D-DA5AAEBC1DF0}" type="slidenum">
               <a:rPr lang="en-US" sz="1800" smtClean="0"/>
-              <a:t>12</a:t>
+              <a:t>13</a:t>
             </a:fld>
             <a:endParaRPr lang="en-US" sz="1800" dirty="0"/>
           </a:p>
@@ -4365,7 +4546,7 @@
 </p:sld>
 </file>
 
-<file path=ppt/slides/slide13.xml><?xml version="1.0" encoding="utf-8"?>
+<file path=ppt/slides/slide14.xml><?xml version="1.0" encoding="utf-8"?>
 <p:sld xmlns:a="http://schemas.openxmlformats.org/drawingml/2006/main" xmlns:r="http://schemas.openxmlformats.org/officeDocument/2006/relationships" xmlns:p="http://schemas.openxmlformats.org/presentationml/2006/main">
   <p:cSld>
     <p:spTree>
@@ -4410,7 +4591,7 @@
           <a:p>
             <a:fld id="{83D657B4-1A6F-406C-B22D-DA5AAEBC1DF0}" type="slidenum">
               <a:rPr lang="en-US" sz="1800" smtClean="0"/>
-              <a:t>13</a:t>
+              <a:t>14</a:t>
             </a:fld>
             <a:endParaRPr lang="en-US" sz="1800"/>
           </a:p>
@@ -4500,7 +4681,7 @@
 </p:sld>
 </file>
 
-<file path=ppt/slides/slide14.xml><?xml version="1.0" encoding="utf-8"?>
+<file path=ppt/slides/slide15.xml><?xml version="1.0" encoding="utf-8"?>
 <p:sld xmlns:a="http://schemas.openxmlformats.org/drawingml/2006/main" xmlns:r="http://schemas.openxmlformats.org/officeDocument/2006/relationships" xmlns:p="http://schemas.openxmlformats.org/presentationml/2006/main">
   <p:cSld>
     <p:spTree>
@@ -4638,8 +4819,13 @@
             </a:pPr>
             <a:r>
               <a:rPr lang="en-US" sz="3000" dirty="0"/>
-              <a:t> EDA </a:t>
-            </a:r>
+              <a:t> EDA have a lot of potential and that should not </a:t>
+            </a:r>
+            <a:r>
+              <a:rPr lang="en-US" sz="3000"/>
+              <a:t>be rejected.</a:t>
+            </a:r>
+            <a:endParaRPr lang="en-US" sz="3000" dirty="0"/>
           </a:p>
         </p:txBody>
       </p:sp>
@@ -4671,7 +4857,7 @@
           <a:p>
             <a:fld id="{83D657B4-1A6F-406C-B22D-DA5AAEBC1DF0}" type="slidenum">
               <a:rPr lang="en-US" sz="1800" smtClean="0"/>
-              <a:t>14</a:t>
+              <a:t>15</a:t>
             </a:fld>
             <a:endParaRPr lang="en-US" sz="1800" dirty="0"/>
           </a:p>
@@ -6339,6 +6525,323 @@
           <p:cNvPr id="4" name="Slide Number Placeholder 3">
             <a:extLst>
               <a:ext uri="{FF2B5EF4-FFF2-40B4-BE49-F238E27FC236}">
+                <a16:creationId xmlns:a16="http://schemas.microsoft.com/office/drawing/2014/main" id="{8C710DCA-BD27-4BC4-A5A1-937ED4F89AC8}"/>
+              </a:ext>
+            </a:extLst>
+          </p:cNvPr>
+          <p:cNvSpPr>
+            <a:spLocks noGrp="1"/>
+          </p:cNvSpPr>
+          <p:nvPr>
+            <p:ph type="sldNum" sz="quarter" idx="12"/>
+          </p:nvPr>
+        </p:nvSpPr>
+        <p:spPr/>
+        <p:txBody>
+          <a:bodyPr/>
+          <a:lstStyle/>
+          <a:p>
+            <a:fld id="{83D657B4-1A6F-406C-B22D-DA5AAEBC1DF0}" type="slidenum">
+              <a:rPr lang="en-US" sz="1800" smtClean="0"/>
+              <a:t>8</a:t>
+            </a:fld>
+            <a:endParaRPr lang="en-US" sz="1800"/>
+          </a:p>
+        </p:txBody>
+      </p:sp>
+      <p:pic>
+        <p:nvPicPr>
+          <p:cNvPr id="6" name="Picture 5">
+            <a:extLst>
+              <a:ext uri="{FF2B5EF4-FFF2-40B4-BE49-F238E27FC236}">
+                <a16:creationId xmlns:a16="http://schemas.microsoft.com/office/drawing/2014/main" id="{5300BD9B-BDE6-47C7-A677-B68D89383C93}"/>
+              </a:ext>
+            </a:extLst>
+          </p:cNvPr>
+          <p:cNvPicPr>
+            <a:picLocks noChangeAspect="1"/>
+          </p:cNvPicPr>
+          <p:nvPr/>
+        </p:nvPicPr>
+        <p:blipFill>
+          <a:blip r:embed="rId2">
+            <a:extLst>
+              <a:ext uri="{28A0092B-C50C-407E-A947-70E740481C1C}">
+                <a14:useLocalDpi xmlns:a14="http://schemas.microsoft.com/office/drawing/2010/main" val="0"/>
+              </a:ext>
+            </a:extLst>
+          </a:blip>
+          <a:stretch>
+            <a:fillRect/>
+          </a:stretch>
+        </p:blipFill>
+        <p:spPr>
+          <a:xfrm>
+            <a:off x="2041765" y="0"/>
+            <a:ext cx="10150235" cy="2370007"/>
+          </a:xfrm>
+          <a:prstGeom prst="rect">
+            <a:avLst/>
+          </a:prstGeom>
+        </p:spPr>
+      </p:pic>
+      <p:sp>
+        <p:nvSpPr>
+          <p:cNvPr id="7" name="TextBox 6">
+            <a:extLst>
+              <a:ext uri="{FF2B5EF4-FFF2-40B4-BE49-F238E27FC236}">
+                <a16:creationId xmlns:a16="http://schemas.microsoft.com/office/drawing/2014/main" id="{3E655732-D58E-44AF-B5A9-194EE5B45982}"/>
+              </a:ext>
+            </a:extLst>
+          </p:cNvPr>
+          <p:cNvSpPr txBox="1"/>
+          <p:nvPr/>
+        </p:nvSpPr>
+        <p:spPr>
+          <a:xfrm>
+            <a:off x="136849" y="541175"/>
+            <a:ext cx="1960900" cy="1200329"/>
+          </a:xfrm>
+          <a:prstGeom prst="rect">
+            <a:avLst/>
+          </a:prstGeom>
+          <a:noFill/>
+        </p:spPr>
+        <p:txBody>
+          <a:bodyPr wrap="square" rtlCol="0">
+            <a:spAutoFit/>
+          </a:bodyPr>
+          <a:lstStyle/>
+          <a:p>
+            <a:r>
+              <a:rPr lang="en-US" sz="2400" dirty="0"/>
+              <a:t>Fig. 2 </a:t>
+            </a:r>
+          </a:p>
+          <a:p>
+            <a:r>
+              <a:rPr lang="en-US" sz="2400" dirty="0"/>
+              <a:t>Structure of a chromosome </a:t>
+            </a:r>
+          </a:p>
+        </p:txBody>
+      </p:sp>
+      <p:pic>
+        <p:nvPicPr>
+          <p:cNvPr id="12" name="Picture 11">
+            <a:extLst>
+              <a:ext uri="{FF2B5EF4-FFF2-40B4-BE49-F238E27FC236}">
+                <a16:creationId xmlns:a16="http://schemas.microsoft.com/office/drawing/2014/main" id="{EE3380E0-4362-4FA6-9D0D-B99ABCD8F88E}"/>
+              </a:ext>
+            </a:extLst>
+          </p:cNvPr>
+          <p:cNvPicPr>
+            <a:picLocks noChangeAspect="1"/>
+          </p:cNvPicPr>
+          <p:nvPr/>
+        </p:nvPicPr>
+        <p:blipFill>
+          <a:blip r:embed="rId3">
+            <a:extLst>
+              <a:ext uri="{28A0092B-C50C-407E-A947-70E740481C1C}">
+                <a14:useLocalDpi xmlns:a14="http://schemas.microsoft.com/office/drawing/2010/main" val="0"/>
+              </a:ext>
+            </a:extLst>
+          </a:blip>
+          <a:stretch>
+            <a:fillRect/>
+          </a:stretch>
+        </p:blipFill>
+        <p:spPr>
+          <a:xfrm>
+            <a:off x="2041765" y="2400299"/>
+            <a:ext cx="10150235" cy="1289677"/>
+          </a:xfrm>
+          <a:prstGeom prst="rect">
+            <a:avLst/>
+          </a:prstGeom>
+        </p:spPr>
+      </p:pic>
+      <p:pic>
+        <p:nvPicPr>
+          <p:cNvPr id="14" name="Picture 13">
+            <a:extLst>
+              <a:ext uri="{FF2B5EF4-FFF2-40B4-BE49-F238E27FC236}">
+                <a16:creationId xmlns:a16="http://schemas.microsoft.com/office/drawing/2014/main" id="{BCA72772-47C7-49E9-BAE7-4C4897F55EC5}"/>
+              </a:ext>
+            </a:extLst>
+          </p:cNvPr>
+          <p:cNvPicPr>
+            <a:picLocks noChangeAspect="1"/>
+          </p:cNvPicPr>
+          <p:nvPr/>
+        </p:nvPicPr>
+        <p:blipFill>
+          <a:blip r:embed="rId4">
+            <a:extLst>
+              <a:ext uri="{28A0092B-C50C-407E-A947-70E740481C1C}">
+                <a14:useLocalDpi xmlns:a14="http://schemas.microsoft.com/office/drawing/2010/main" val="0"/>
+              </a:ext>
+            </a:extLst>
+          </a:blip>
+          <a:stretch>
+            <a:fillRect/>
+          </a:stretch>
+        </p:blipFill>
+        <p:spPr>
+          <a:xfrm>
+            <a:off x="2041765" y="3689976"/>
+            <a:ext cx="10150235" cy="2149462"/>
+          </a:xfrm>
+          <a:prstGeom prst="rect">
+            <a:avLst/>
+          </a:prstGeom>
+        </p:spPr>
+      </p:pic>
+      <p:sp>
+        <p:nvSpPr>
+          <p:cNvPr id="15" name="TextBox 14">
+            <a:extLst>
+              <a:ext uri="{FF2B5EF4-FFF2-40B4-BE49-F238E27FC236}">
+                <a16:creationId xmlns:a16="http://schemas.microsoft.com/office/drawing/2014/main" id="{1BA795E4-AB42-4015-979A-ABA0AD3DE292}"/>
+              </a:ext>
+            </a:extLst>
+          </p:cNvPr>
+          <p:cNvSpPr txBox="1"/>
+          <p:nvPr/>
+        </p:nvSpPr>
+        <p:spPr>
+          <a:xfrm>
+            <a:off x="335902" y="2629638"/>
+            <a:ext cx="1380931" cy="830997"/>
+          </a:xfrm>
+          <a:prstGeom prst="rect">
+            <a:avLst/>
+          </a:prstGeom>
+          <a:noFill/>
+        </p:spPr>
+        <p:txBody>
+          <a:bodyPr wrap="square" rtlCol="0">
+            <a:spAutoFit/>
+          </a:bodyPr>
+          <a:lstStyle/>
+          <a:p>
+            <a:r>
+              <a:rPr lang="en-US" sz="2400" dirty="0"/>
+              <a:t>Fig. 3 Mutation</a:t>
+            </a:r>
+          </a:p>
+        </p:txBody>
+      </p:sp>
+      <p:sp>
+        <p:nvSpPr>
+          <p:cNvPr id="16" name="TextBox 15">
+            <a:extLst>
+              <a:ext uri="{FF2B5EF4-FFF2-40B4-BE49-F238E27FC236}">
+                <a16:creationId xmlns:a16="http://schemas.microsoft.com/office/drawing/2014/main" id="{D97D3125-DD6A-47C0-AEBA-EB83DAEFA6FA}"/>
+              </a:ext>
+            </a:extLst>
+          </p:cNvPr>
+          <p:cNvSpPr txBox="1"/>
+          <p:nvPr/>
+        </p:nvSpPr>
+        <p:spPr>
+          <a:xfrm>
+            <a:off x="335902" y="4349208"/>
+            <a:ext cx="1518515" cy="830997"/>
+          </a:xfrm>
+          <a:prstGeom prst="rect">
+            <a:avLst/>
+          </a:prstGeom>
+          <a:noFill/>
+        </p:spPr>
+        <p:txBody>
+          <a:bodyPr wrap="square" rtlCol="0">
+            <a:spAutoFit/>
+          </a:bodyPr>
+          <a:lstStyle/>
+          <a:p>
+            <a:r>
+              <a:rPr lang="en-US" sz="2400" dirty="0"/>
+              <a:t>Fig. 4 Crossover</a:t>
+            </a:r>
+          </a:p>
+        </p:txBody>
+      </p:sp>
+      <p:cxnSp>
+        <p:nvCxnSpPr>
+          <p:cNvPr id="18" name="Straight Connector 17">
+            <a:extLst>
+              <a:ext uri="{FF2B5EF4-FFF2-40B4-BE49-F238E27FC236}">
+                <a16:creationId xmlns:a16="http://schemas.microsoft.com/office/drawing/2014/main" id="{83A5613C-1441-49CE-904E-EF2BFB3B0A83}"/>
+              </a:ext>
+            </a:extLst>
+          </p:cNvPr>
+          <p:cNvCxnSpPr>
+            <a:cxnSpLocks/>
+          </p:cNvCxnSpPr>
+          <p:nvPr/>
+        </p:nvCxnSpPr>
+        <p:spPr>
+          <a:xfrm>
+            <a:off x="2041765" y="3615330"/>
+            <a:ext cx="10150235" cy="0"/>
+          </a:xfrm>
+          <a:prstGeom prst="line">
+            <a:avLst/>
+          </a:prstGeom>
+          <a:ln w="28575"/>
+        </p:spPr>
+        <p:style>
+          <a:lnRef idx="1">
+            <a:schemeClr val="dk1"/>
+          </a:lnRef>
+          <a:fillRef idx="0">
+            <a:schemeClr val="dk1"/>
+          </a:fillRef>
+          <a:effectRef idx="0">
+            <a:schemeClr val="dk1"/>
+          </a:effectRef>
+          <a:fontRef idx="minor">
+            <a:schemeClr val="tx1"/>
+          </a:fontRef>
+        </p:style>
+      </p:cxnSp>
+    </p:spTree>
+    <p:extLst>
+      <p:ext uri="{BB962C8B-B14F-4D97-AF65-F5344CB8AC3E}">
+        <p14:creationId xmlns:p14="http://schemas.microsoft.com/office/powerpoint/2010/main" val="179608050"/>
+      </p:ext>
+    </p:extLst>
+  </p:cSld>
+  <p:clrMapOvr>
+    <a:masterClrMapping/>
+  </p:clrMapOvr>
+</p:sld>
+</file>
+
+<file path=ppt/slides/slide9.xml><?xml version="1.0" encoding="utf-8"?>
+<p:sld xmlns:a="http://schemas.openxmlformats.org/drawingml/2006/main" xmlns:r="http://schemas.openxmlformats.org/officeDocument/2006/relationships" xmlns:p="http://schemas.openxmlformats.org/presentationml/2006/main">
+  <p:cSld>
+    <p:spTree>
+      <p:nvGrpSpPr>
+        <p:cNvPr id="1" name=""/>
+        <p:cNvGrpSpPr/>
+        <p:nvPr/>
+      </p:nvGrpSpPr>
+      <p:grpSpPr>
+        <a:xfrm>
+          <a:off x="0" y="0"/>
+          <a:ext cx="0" cy="0"/>
+          <a:chOff x="0" y="0"/>
+          <a:chExt cx="0" cy="0"/>
+        </a:xfrm>
+      </p:grpSpPr>
+      <p:sp>
+        <p:nvSpPr>
+          <p:cNvPr id="4" name="Slide Number Placeholder 3">
+            <a:extLst>
+              <a:ext uri="{FF2B5EF4-FFF2-40B4-BE49-F238E27FC236}">
                 <a16:creationId xmlns:a16="http://schemas.microsoft.com/office/drawing/2014/main" id="{0668B90D-F01D-457C-B19C-300FA1C1D487}"/>
               </a:ext>
             </a:extLst>
@@ -6357,7 +6860,7 @@
           <a:p>
             <a:fld id="{83D657B4-1A6F-406C-B22D-DA5AAEBC1DF0}" type="slidenum">
               <a:rPr lang="en-US" sz="1800" smtClean="0"/>
-              <a:t>8</a:t>
+              <a:t>9</a:t>
             </a:fld>
             <a:endParaRPr lang="en-US" sz="1800"/>
           </a:p>
@@ -6429,7 +6932,7 @@
           <a:p>
             <a:r>
               <a:rPr lang="en-US" sz="2400" dirty="0"/>
-              <a:t>Fig. 2 EDA algorithm flow chart</a:t>
+              <a:t>Fig. 5 EDA algorithm flow chart</a:t>
             </a:r>
           </a:p>
         </p:txBody>
@@ -6438,181 +6941,6 @@
     <p:extLst>
       <p:ext uri="{BB962C8B-B14F-4D97-AF65-F5344CB8AC3E}">
         <p14:creationId xmlns:p14="http://schemas.microsoft.com/office/powerpoint/2010/main" val="2919834771"/>
-      </p:ext>
-    </p:extLst>
-  </p:cSld>
-  <p:clrMapOvr>
-    <a:masterClrMapping/>
-  </p:clrMapOvr>
-</p:sld>
-</file>
-
-<file path=ppt/slides/slide9.xml><?xml version="1.0" encoding="utf-8"?>
-<p:sld xmlns:a="http://schemas.openxmlformats.org/drawingml/2006/main" xmlns:r="http://schemas.openxmlformats.org/officeDocument/2006/relationships" xmlns:p="http://schemas.openxmlformats.org/presentationml/2006/main">
-  <p:cSld>
-    <p:spTree>
-      <p:nvGrpSpPr>
-        <p:cNvPr id="1" name=""/>
-        <p:cNvGrpSpPr/>
-        <p:nvPr/>
-      </p:nvGrpSpPr>
-      <p:grpSpPr>
-        <a:xfrm>
-          <a:off x="0" y="0"/>
-          <a:ext cx="0" cy="0"/>
-          <a:chOff x="0" y="0"/>
-          <a:chExt cx="0" cy="0"/>
-        </a:xfrm>
-      </p:grpSpPr>
-      <p:sp>
-        <p:nvSpPr>
-          <p:cNvPr id="2" name="Title 1">
-            <a:extLst>
-              <a:ext uri="{FF2B5EF4-FFF2-40B4-BE49-F238E27FC236}">
-                <a16:creationId xmlns:a16="http://schemas.microsoft.com/office/drawing/2014/main" id="{B33D01D2-5A18-41E6-B66B-866BAFD68DFB}"/>
-              </a:ext>
-            </a:extLst>
-          </p:cNvPr>
-          <p:cNvSpPr>
-            <a:spLocks noGrp="1"/>
-          </p:cNvSpPr>
-          <p:nvPr>
-            <p:ph type="title"/>
-          </p:nvPr>
-        </p:nvSpPr>
-        <p:spPr>
-          <a:xfrm>
-            <a:off x="1045029" y="715347"/>
-            <a:ext cx="10282334" cy="1388302"/>
-          </a:xfrm>
-        </p:spPr>
-        <p:txBody>
-          <a:bodyPr>
-            <a:normAutofit/>
-          </a:bodyPr>
-          <a:lstStyle/>
-          <a:p>
-            <a:r>
-              <a:rPr lang="en-US" sz="4400" dirty="0"/>
-              <a:t>RESULTS</a:t>
-            </a:r>
-          </a:p>
-        </p:txBody>
-      </p:sp>
-      <p:sp>
-        <p:nvSpPr>
-          <p:cNvPr id="3" name="Content Placeholder 2">
-            <a:extLst>
-              <a:ext uri="{FF2B5EF4-FFF2-40B4-BE49-F238E27FC236}">
-                <a16:creationId xmlns:a16="http://schemas.microsoft.com/office/drawing/2014/main" id="{49D1F0E4-47ED-4A2C-8B62-CF83676298D6}"/>
-              </a:ext>
-            </a:extLst>
-          </p:cNvPr>
-          <p:cNvSpPr>
-            <a:spLocks noGrp="1"/>
-          </p:cNvSpPr>
-          <p:nvPr>
-            <p:ph idx="1"/>
-          </p:nvPr>
-        </p:nvSpPr>
-        <p:spPr>
-          <a:xfrm>
-            <a:off x="1045029" y="2416664"/>
-            <a:ext cx="10282334" cy="3492724"/>
-          </a:xfrm>
-        </p:spPr>
-        <p:txBody>
-          <a:bodyPr>
-            <a:normAutofit/>
-          </a:bodyPr>
-          <a:lstStyle/>
-          <a:p>
-            <a:pPr>
-              <a:spcBef>
-                <a:spcPts val="1800"/>
-              </a:spcBef>
-            </a:pPr>
-            <a:r>
-              <a:rPr lang="en-US" sz="3000" dirty="0"/>
-              <a:t>3 whole runs for each algorithm to show consistency.</a:t>
-            </a:r>
-          </a:p>
-          <a:p>
-            <a:pPr>
-              <a:spcBef>
-                <a:spcPts val="1800"/>
-              </a:spcBef>
-            </a:pPr>
-            <a:r>
-              <a:rPr lang="en-US" sz="3000" dirty="0"/>
-              <a:t>Max. 400 generations per run.</a:t>
-            </a:r>
-          </a:p>
-          <a:p>
-            <a:pPr>
-              <a:spcBef>
-                <a:spcPts val="1800"/>
-              </a:spcBef>
-            </a:pPr>
-            <a:r>
-              <a:rPr lang="en-US" sz="3000" dirty="0"/>
-              <a:t>Initial necessary parameters (no. of variables, length etc.) are the same for each function.</a:t>
-            </a:r>
-          </a:p>
-          <a:p>
-            <a:pPr>
-              <a:spcBef>
-                <a:spcPts val="1800"/>
-              </a:spcBef>
-            </a:pPr>
-            <a:r>
-              <a:rPr lang="en-US" sz="3000" dirty="0"/>
-              <a:t>The plots show </a:t>
-            </a:r>
-            <a:r>
-              <a:rPr lang="en-US" sz="3000"/>
-              <a:t>the attained </a:t>
-            </a:r>
-            <a:r>
-              <a:rPr lang="en-US" sz="3000" dirty="0"/>
-              <a:t>optimum AND the road to it.</a:t>
-            </a:r>
-          </a:p>
-        </p:txBody>
-      </p:sp>
-      <p:sp>
-        <p:nvSpPr>
-          <p:cNvPr id="4" name="Slide Number Placeholder 3">
-            <a:extLst>
-              <a:ext uri="{FF2B5EF4-FFF2-40B4-BE49-F238E27FC236}">
-                <a16:creationId xmlns:a16="http://schemas.microsoft.com/office/drawing/2014/main" id="{CB7AA25F-2E64-44E4-ABFA-16E7ACF1D51E}"/>
-              </a:ext>
-            </a:extLst>
-          </p:cNvPr>
-          <p:cNvSpPr>
-            <a:spLocks noGrp="1"/>
-          </p:cNvSpPr>
-          <p:nvPr>
-            <p:ph type="sldNum" sz="quarter" idx="12"/>
-          </p:nvPr>
-        </p:nvSpPr>
-        <p:spPr/>
-        <p:txBody>
-          <a:bodyPr/>
-          <a:lstStyle/>
-          <a:p>
-            <a:fld id="{83D657B4-1A6F-406C-B22D-DA5AAEBC1DF0}" type="slidenum">
-              <a:rPr lang="en-US" sz="1800" smtClean="0"/>
-              <a:t>9</a:t>
-            </a:fld>
-            <a:endParaRPr lang="en-US" sz="1800"/>
-          </a:p>
-        </p:txBody>
-      </p:sp>
-    </p:spTree>
-    <p:extLst>
-      <p:ext uri="{BB962C8B-B14F-4D97-AF65-F5344CB8AC3E}">
-        <p14:creationId xmlns:p14="http://schemas.microsoft.com/office/powerpoint/2010/main" val="3401818977"/>
       </p:ext>
     </p:extLst>
   </p:cSld>
